--- a/Intro.pptx
+++ b/Intro.pptx
@@ -114,6 +114,11 @@
       </a:defRPr>
     </a:lvl9pPr>
   </p:defaultTextStyle>
+  <p:extLst>
+    <p:ext uri="{EFAFB233-063F-42B5-8137-9DF3F51BA10A}">
+      <p15:sldGuideLst xmlns:p15="http://schemas.microsoft.com/office/powerpoint/2012/main"/>
+    </p:ext>
+  </p:extLst>
 </p:presentation>
 </file>
 
@@ -207,7 +212,7 @@
           <a:p>
             <a:fld id="{D1AE969F-50D6-428E-8C7A-53049F479FB1}" type="datetimeFigureOut">
               <a:rPr lang="en-US" smtClean="0"/>
-              <a:t>1/15/2023</a:t>
+              <a:t>1/18/2023</a:t>
             </a:fld>
             <a:endParaRPr lang="en-US"/>
           </a:p>
@@ -714,7 +719,7 @@
           <a:p>
             <a:fld id="{13A8D463-D271-40F6-B916-05C717C593B3}" type="datetimeFigureOut">
               <a:rPr lang="en-US" smtClean="0"/>
-              <a:t>1/15/2023</a:t>
+              <a:t>1/18/2023</a:t>
             </a:fld>
             <a:endParaRPr lang="en-US"/>
           </a:p>
@@ -912,7 +917,7 @@
           <a:p>
             <a:fld id="{13A8D463-D271-40F6-B916-05C717C593B3}" type="datetimeFigureOut">
               <a:rPr lang="en-US" smtClean="0"/>
-              <a:t>1/15/2023</a:t>
+              <a:t>1/18/2023</a:t>
             </a:fld>
             <a:endParaRPr lang="en-US"/>
           </a:p>
@@ -1120,7 +1125,7 @@
           <a:p>
             <a:fld id="{13A8D463-D271-40F6-B916-05C717C593B3}" type="datetimeFigureOut">
               <a:rPr lang="en-US" smtClean="0"/>
-              <a:t>1/15/2023</a:t>
+              <a:t>1/18/2023</a:t>
             </a:fld>
             <a:endParaRPr lang="en-US"/>
           </a:p>
@@ -1318,7 +1323,7 @@
           <a:p>
             <a:fld id="{13A8D463-D271-40F6-B916-05C717C593B3}" type="datetimeFigureOut">
               <a:rPr lang="en-US" smtClean="0"/>
-              <a:t>1/15/2023</a:t>
+              <a:t>1/18/2023</a:t>
             </a:fld>
             <a:endParaRPr lang="en-US"/>
           </a:p>
@@ -1593,7 +1598,7 @@
           <a:p>
             <a:fld id="{13A8D463-D271-40F6-B916-05C717C593B3}" type="datetimeFigureOut">
               <a:rPr lang="en-US" smtClean="0"/>
-              <a:t>1/15/2023</a:t>
+              <a:t>1/18/2023</a:t>
             </a:fld>
             <a:endParaRPr lang="en-US"/>
           </a:p>
@@ -1858,7 +1863,7 @@
           <a:p>
             <a:fld id="{13A8D463-D271-40F6-B916-05C717C593B3}" type="datetimeFigureOut">
               <a:rPr lang="en-US" smtClean="0"/>
-              <a:t>1/15/2023</a:t>
+              <a:t>1/18/2023</a:t>
             </a:fld>
             <a:endParaRPr lang="en-US"/>
           </a:p>
@@ -2270,7 +2275,7 @@
           <a:p>
             <a:fld id="{13A8D463-D271-40F6-B916-05C717C593B3}" type="datetimeFigureOut">
               <a:rPr lang="en-US" smtClean="0"/>
-              <a:t>1/15/2023</a:t>
+              <a:t>1/18/2023</a:t>
             </a:fld>
             <a:endParaRPr lang="en-US"/>
           </a:p>
@@ -2411,7 +2416,7 @@
           <a:p>
             <a:fld id="{13A8D463-D271-40F6-B916-05C717C593B3}" type="datetimeFigureOut">
               <a:rPr lang="en-US" smtClean="0"/>
-              <a:t>1/15/2023</a:t>
+              <a:t>1/18/2023</a:t>
             </a:fld>
             <a:endParaRPr lang="en-US"/>
           </a:p>
@@ -2524,7 +2529,7 @@
           <a:p>
             <a:fld id="{13A8D463-D271-40F6-B916-05C717C593B3}" type="datetimeFigureOut">
               <a:rPr lang="en-US" smtClean="0"/>
-              <a:t>1/15/2023</a:t>
+              <a:t>1/18/2023</a:t>
             </a:fld>
             <a:endParaRPr lang="en-US"/>
           </a:p>
@@ -2835,7 +2840,7 @@
           <a:p>
             <a:fld id="{13A8D463-D271-40F6-B916-05C717C593B3}" type="datetimeFigureOut">
               <a:rPr lang="en-US" smtClean="0"/>
-              <a:t>1/15/2023</a:t>
+              <a:t>1/18/2023</a:t>
             </a:fld>
             <a:endParaRPr lang="en-US"/>
           </a:p>
@@ -3123,7 +3128,7 @@
           <a:p>
             <a:fld id="{13A8D463-D271-40F6-B916-05C717C593B3}" type="datetimeFigureOut">
               <a:rPr lang="en-US" smtClean="0"/>
-              <a:t>1/15/2023</a:t>
+              <a:t>1/18/2023</a:t>
             </a:fld>
             <a:endParaRPr lang="en-US"/>
           </a:p>
@@ -3364,7 +3369,7 @@
           <a:p>
             <a:fld id="{13A8D463-D271-40F6-B916-05C717C593B3}" type="datetimeFigureOut">
               <a:rPr lang="en-US" smtClean="0"/>
-              <a:t>1/15/2023</a:t>
+              <a:t>1/18/2023</a:t>
             </a:fld>
             <a:endParaRPr lang="en-US"/>
           </a:p>
@@ -3930,7 +3935,7 @@
           <a:p>
             <a:r>
               <a:rPr lang="en-US" dirty="0"/>
-              <a:t>Proxy to variety of APIs for use in:</a:t>
+              <a:t>Proxy to variety of APIs for use in graphical logic designers:</a:t>
             </a:r>
           </a:p>
           <a:p>
@@ -3953,6 +3958,30 @@
               <a:rPr lang="en-US" dirty="0"/>
               <a:t>Logic Apps</a:t>
             </a:r>
+          </a:p>
+          <a:p>
+            <a:r>
+              <a:rPr lang="en-US" dirty="0"/>
+              <a:t>Hides and augments http connection logic</a:t>
+            </a:r>
+          </a:p>
+          <a:p>
+            <a:pPr lvl="1"/>
+            <a:r>
+              <a:rPr lang="en-US" dirty="0"/>
+              <a:t>Authentication/authorization</a:t>
+            </a:r>
+          </a:p>
+          <a:p>
+            <a:pPr lvl="1"/>
+            <a:r>
+              <a:rPr lang="en-US" dirty="0"/>
+              <a:t>Payload/response formatting</a:t>
+            </a:r>
+          </a:p>
+          <a:p>
+            <a:pPr lvl="1"/>
+            <a:endParaRPr lang="en-US" dirty="0"/>
           </a:p>
         </p:txBody>
       </p:sp>
